--- a/présentation projet/Présentation projet SQLI.pptx
+++ b/présentation projet/Présentation projet SQLI.pptx
@@ -10,9 +10,8 @@
     <p:sldId id="259" r:id="rId4"/>
     <p:sldId id="258" r:id="rId5"/>
     <p:sldId id="260" r:id="rId6"/>
-    <p:sldId id="261" r:id="rId7"/>
-    <p:sldId id="262" r:id="rId8"/>
-    <p:sldId id="263" r:id="rId9"/>
+    <p:sldId id="262" r:id="rId7"/>
+    <p:sldId id="263" r:id="rId8"/>
   </p:sldIdLst>
   <p:sldSz cx="12192000" cy="6858000"/>
   <p:notesSz cx="6858000" cy="9144000"/>
@@ -111,6 +110,11 @@
       </a:defRPr>
     </a:lvl9pPr>
   </p:defaultTextStyle>
+  <p:extLst>
+    <p:ext uri="{EFAFB233-063F-42B5-8137-9DF3F51BA10A}">
+      <p15:sldGuideLst xmlns:p15="http://schemas.microsoft.com/office/powerpoint/2012/main"/>
+    </p:ext>
+  </p:extLst>
 </p:presentation>
 </file>
 
@@ -171,7 +175,7 @@
           <a:noFill/>
           <a:extLst>
             <a:ext uri="{909E8E84-426E-40dd-AFC4-6F175D3DCCD1}">
-              <a14:hiddenFill xmlns:a14="http://schemas.microsoft.com/office/drawing/2010/main" xmlns="">
+              <a14:hiddenFill xmlns="" xmlns:a14="http://schemas.microsoft.com/office/drawing/2010/main">
                 <a:solidFill>
                   <a:srgbClr val="FFFFFF"/>
                 </a:solidFill>
@@ -230,7 +234,7 @@
             </a:ln>
             <a:extLst>
               <a:ext uri="{91240B29-F687-4f45-9708-019B960494DF}">
-                <a14:hiddenLine xmlns:a14="http://schemas.microsoft.com/office/drawing/2010/main" xmlns="" w="9525">
+                <a14:hiddenLine xmlns="" xmlns:a14="http://schemas.microsoft.com/office/drawing/2010/main" w="9525">
                   <a:solidFill>
                     <a:srgbClr val="000000"/>
                   </a:solidFill>
@@ -320,7 +324,7 @@
             </a:ln>
             <a:extLst>
               <a:ext uri="{91240B29-F687-4f45-9708-019B960494DF}">
-                <a14:hiddenLine xmlns:a14="http://schemas.microsoft.com/office/drawing/2010/main" xmlns="" w="9525">
+                <a14:hiddenLine xmlns="" xmlns:a14="http://schemas.microsoft.com/office/drawing/2010/main" w="9525">
                   <a:solidFill>
                     <a:srgbClr val="000000"/>
                   </a:solidFill>
@@ -410,7 +414,7 @@
             </a:ln>
             <a:extLst>
               <a:ext uri="{91240B29-F687-4f45-9708-019B960494DF}">
-                <a14:hiddenLine xmlns:a14="http://schemas.microsoft.com/office/drawing/2010/main" xmlns="" w="9525">
+                <a14:hiddenLine xmlns="" xmlns:a14="http://schemas.microsoft.com/office/drawing/2010/main" w="9525">
                   <a:solidFill>
                     <a:srgbClr val="000000"/>
                   </a:solidFill>
@@ -444,7 +448,7 @@
             </a:ln>
             <a:extLst>
               <a:ext uri="{91240B29-F687-4f45-9708-019B960494DF}">
-                <a14:hiddenLine xmlns:a14="http://schemas.microsoft.com/office/drawing/2010/main" xmlns="" w="9525">
+                <a14:hiddenLine xmlns="" xmlns:a14="http://schemas.microsoft.com/office/drawing/2010/main" w="9525">
                   <a:solidFill>
                     <a:srgbClr val="000000"/>
                   </a:solidFill>
@@ -534,7 +538,7 @@
             </a:ln>
             <a:extLst>
               <a:ext uri="{91240B29-F687-4f45-9708-019B960494DF}">
-                <a14:hiddenLine xmlns:a14="http://schemas.microsoft.com/office/drawing/2010/main" xmlns="" w="9525">
+                <a14:hiddenLine xmlns="" xmlns:a14="http://schemas.microsoft.com/office/drawing/2010/main" w="9525">
                   <a:solidFill>
                     <a:srgbClr val="000000"/>
                   </a:solidFill>
@@ -596,7 +600,7 @@
             </a:ln>
             <a:extLst>
               <a:ext uri="{91240B29-F687-4f45-9708-019B960494DF}">
-                <a14:hiddenLine xmlns:a14="http://schemas.microsoft.com/office/drawing/2010/main" xmlns="" w="9525">
+                <a14:hiddenLine xmlns="" xmlns:a14="http://schemas.microsoft.com/office/drawing/2010/main" w="9525">
                   <a:solidFill>
                     <a:srgbClr val="000000"/>
                   </a:solidFill>
@@ -658,7 +662,7 @@
             </a:ln>
             <a:extLst>
               <a:ext uri="{91240B29-F687-4f45-9708-019B960494DF}">
-                <a14:hiddenLine xmlns:a14="http://schemas.microsoft.com/office/drawing/2010/main" xmlns="" w="9525">
+                <a14:hiddenLine xmlns="" xmlns:a14="http://schemas.microsoft.com/office/drawing/2010/main" w="9525">
                   <a:solidFill>
                     <a:srgbClr val="000000"/>
                   </a:solidFill>
@@ -748,7 +752,7 @@
             </a:ln>
             <a:extLst>
               <a:ext uri="{91240B29-F687-4f45-9708-019B960494DF}">
-                <a14:hiddenLine xmlns:a14="http://schemas.microsoft.com/office/drawing/2010/main" xmlns="" w="9525">
+                <a14:hiddenLine xmlns="" xmlns:a14="http://schemas.microsoft.com/office/drawing/2010/main" w="9525">
                   <a:solidFill>
                     <a:srgbClr val="000000"/>
                   </a:solidFill>
@@ -810,7 +814,7 @@
             </a:ln>
             <a:extLst>
               <a:ext uri="{91240B29-F687-4f45-9708-019B960494DF}">
-                <a14:hiddenLine xmlns:a14="http://schemas.microsoft.com/office/drawing/2010/main" xmlns="" w="9525">
+                <a14:hiddenLine xmlns="" xmlns:a14="http://schemas.microsoft.com/office/drawing/2010/main" w="9525">
                   <a:solidFill>
                     <a:srgbClr val="000000"/>
                   </a:solidFill>
@@ -872,7 +876,7 @@
             </a:ln>
             <a:extLst>
               <a:ext uri="{91240B29-F687-4f45-9708-019B960494DF}">
-                <a14:hiddenLine xmlns:a14="http://schemas.microsoft.com/office/drawing/2010/main" xmlns="" w="9525">
+                <a14:hiddenLine xmlns="" xmlns:a14="http://schemas.microsoft.com/office/drawing/2010/main" w="9525">
                   <a:solidFill>
                     <a:srgbClr val="000000"/>
                   </a:solidFill>
@@ -962,7 +966,7 @@
             </a:ln>
             <a:extLst>
               <a:ext uri="{91240B29-F687-4f45-9708-019B960494DF}">
-                <a14:hiddenLine xmlns:a14="http://schemas.microsoft.com/office/drawing/2010/main" xmlns="" w="9525">
+                <a14:hiddenLine xmlns="" xmlns:a14="http://schemas.microsoft.com/office/drawing/2010/main" w="9525">
                   <a:solidFill>
                     <a:srgbClr val="000000"/>
                   </a:solidFill>
@@ -1052,7 +1056,7 @@
             </a:ln>
             <a:extLst>
               <a:ext uri="{91240B29-F687-4f45-9708-019B960494DF}">
-                <a14:hiddenLine xmlns:a14="http://schemas.microsoft.com/office/drawing/2010/main" xmlns="" w="9525">
+                <a14:hiddenLine xmlns="" xmlns:a14="http://schemas.microsoft.com/office/drawing/2010/main" w="9525">
                   <a:solidFill>
                     <a:srgbClr val="000000"/>
                   </a:solidFill>
@@ -1114,7 +1118,7 @@
             </a:ln>
             <a:extLst>
               <a:ext uri="{91240B29-F687-4f45-9708-019B960494DF}">
-                <a14:hiddenLine xmlns:a14="http://schemas.microsoft.com/office/drawing/2010/main" xmlns="" w="9525">
+                <a14:hiddenLine xmlns="" xmlns:a14="http://schemas.microsoft.com/office/drawing/2010/main" w="9525">
                   <a:solidFill>
                     <a:srgbClr val="000000"/>
                   </a:solidFill>
@@ -1224,7 +1228,7 @@
             </a:ln>
             <a:extLst>
               <a:ext uri="{91240B29-F687-4f45-9708-019B960494DF}">
-                <a14:hiddenLine xmlns:a14="http://schemas.microsoft.com/office/drawing/2010/main" xmlns="" w="9525">
+                <a14:hiddenLine xmlns="" xmlns:a14="http://schemas.microsoft.com/office/drawing/2010/main" w="9525">
                   <a:solidFill>
                     <a:srgbClr val="000000"/>
                   </a:solidFill>
@@ -1286,7 +1290,7 @@
             </a:ln>
             <a:extLst>
               <a:ext uri="{91240B29-F687-4f45-9708-019B960494DF}">
-                <a14:hiddenLine xmlns:a14="http://schemas.microsoft.com/office/drawing/2010/main" xmlns="" w="9525">
+                <a14:hiddenLine xmlns="" xmlns:a14="http://schemas.microsoft.com/office/drawing/2010/main" w="9525">
                   <a:solidFill>
                     <a:srgbClr val="000000"/>
                   </a:solidFill>
@@ -1376,7 +1380,7 @@
             </a:ln>
             <a:extLst>
               <a:ext uri="{91240B29-F687-4f45-9708-019B960494DF}">
-                <a14:hiddenLine xmlns:a14="http://schemas.microsoft.com/office/drawing/2010/main" xmlns="" w="9525">
+                <a14:hiddenLine xmlns="" xmlns:a14="http://schemas.microsoft.com/office/drawing/2010/main" w="9525">
                   <a:solidFill>
                     <a:srgbClr val="000000"/>
                   </a:solidFill>
@@ -1466,7 +1470,7 @@
             </a:ln>
             <a:extLst>
               <a:ext uri="{91240B29-F687-4f45-9708-019B960494DF}">
-                <a14:hiddenLine xmlns:a14="http://schemas.microsoft.com/office/drawing/2010/main" xmlns="" w="9525">
+                <a14:hiddenLine xmlns="" xmlns:a14="http://schemas.microsoft.com/office/drawing/2010/main" w="9525">
                   <a:solidFill>
                     <a:srgbClr val="000000"/>
                   </a:solidFill>
@@ -1528,7 +1532,7 @@
             </a:ln>
             <a:extLst>
               <a:ext uri="{91240B29-F687-4f45-9708-019B960494DF}">
-                <a14:hiddenLine xmlns:a14="http://schemas.microsoft.com/office/drawing/2010/main" xmlns="" w="9525">
+                <a14:hiddenLine xmlns="" xmlns:a14="http://schemas.microsoft.com/office/drawing/2010/main" w="9525">
                   <a:solidFill>
                     <a:srgbClr val="000000"/>
                   </a:solidFill>
@@ -1618,7 +1622,7 @@
             </a:ln>
             <a:extLst>
               <a:ext uri="{91240B29-F687-4f45-9708-019B960494DF}">
-                <a14:hiddenLine xmlns:a14="http://schemas.microsoft.com/office/drawing/2010/main" xmlns="" w="9525">
+                <a14:hiddenLine xmlns="" xmlns:a14="http://schemas.microsoft.com/office/drawing/2010/main" w="9525">
                   <a:solidFill>
                     <a:srgbClr val="000000"/>
                   </a:solidFill>
@@ -1708,7 +1712,7 @@
             </a:ln>
             <a:extLst>
               <a:ext uri="{91240B29-F687-4f45-9708-019B960494DF}">
-                <a14:hiddenLine xmlns:a14="http://schemas.microsoft.com/office/drawing/2010/main" xmlns="" w="9525">
+                <a14:hiddenLine xmlns="" xmlns:a14="http://schemas.microsoft.com/office/drawing/2010/main" w="9525">
                   <a:solidFill>
                     <a:srgbClr val="000000"/>
                   </a:solidFill>
@@ -1764,7 +1768,7 @@
             </a:ln>
             <a:extLst>
               <a:ext uri="{91240B29-F687-4f45-9708-019B960494DF}">
-                <a14:hiddenLine xmlns:a14="http://schemas.microsoft.com/office/drawing/2010/main" xmlns="" w="9525">
+                <a14:hiddenLine xmlns="" xmlns:a14="http://schemas.microsoft.com/office/drawing/2010/main" w="9525">
                   <a:solidFill>
                     <a:srgbClr val="000000"/>
                   </a:solidFill>
@@ -1854,7 +1858,7 @@
             </a:ln>
             <a:extLst>
               <a:ext uri="{91240B29-F687-4f45-9708-019B960494DF}">
-                <a14:hiddenLine xmlns:a14="http://schemas.microsoft.com/office/drawing/2010/main" xmlns="" w="9525">
+                <a14:hiddenLine xmlns="" xmlns:a14="http://schemas.microsoft.com/office/drawing/2010/main" w="9525">
                   <a:solidFill>
                     <a:srgbClr val="000000"/>
                   </a:solidFill>
@@ -1910,7 +1914,7 @@
             </a:ln>
             <a:extLst>
               <a:ext uri="{91240B29-F687-4f45-9708-019B960494DF}">
-                <a14:hiddenLine xmlns:a14="http://schemas.microsoft.com/office/drawing/2010/main" xmlns="" w="9525">
+                <a14:hiddenLine xmlns="" xmlns:a14="http://schemas.microsoft.com/office/drawing/2010/main" w="9525">
                   <a:solidFill>
                     <a:srgbClr val="000000"/>
                   </a:solidFill>
@@ -2000,7 +2004,7 @@
             </a:ln>
             <a:extLst>
               <a:ext uri="{91240B29-F687-4f45-9708-019B960494DF}">
-                <a14:hiddenLine xmlns:a14="http://schemas.microsoft.com/office/drawing/2010/main" xmlns="" w="9525">
+                <a14:hiddenLine xmlns="" xmlns:a14="http://schemas.microsoft.com/office/drawing/2010/main" w="9525">
                   <a:solidFill>
                     <a:srgbClr val="000000"/>
                   </a:solidFill>
@@ -2068,7 +2072,7 @@
             </a:ln>
             <a:extLst>
               <a:ext uri="{91240B29-F687-4f45-9708-019B960494DF}">
-                <a14:hiddenLine xmlns:a14="http://schemas.microsoft.com/office/drawing/2010/main" xmlns="" w="9525">
+                <a14:hiddenLine xmlns="" xmlns:a14="http://schemas.microsoft.com/office/drawing/2010/main" w="9525">
                   <a:solidFill>
                     <a:srgbClr val="000000"/>
                   </a:solidFill>
@@ -2158,7 +2162,7 @@
             </a:ln>
             <a:extLst>
               <a:ext uri="{91240B29-F687-4f45-9708-019B960494DF}">
-                <a14:hiddenLine xmlns:a14="http://schemas.microsoft.com/office/drawing/2010/main" xmlns="" w="9525">
+                <a14:hiddenLine xmlns="" xmlns:a14="http://schemas.microsoft.com/office/drawing/2010/main" w="9525">
                   <a:solidFill>
                     <a:srgbClr val="000000"/>
                   </a:solidFill>
@@ -2226,7 +2230,7 @@
             </a:ln>
             <a:extLst>
               <a:ext uri="{91240B29-F687-4f45-9708-019B960494DF}">
-                <a14:hiddenLine xmlns:a14="http://schemas.microsoft.com/office/drawing/2010/main" xmlns="" w="9525">
+                <a14:hiddenLine xmlns="" xmlns:a14="http://schemas.microsoft.com/office/drawing/2010/main" w="9525">
                   <a:solidFill>
                     <a:srgbClr val="000000"/>
                   </a:solidFill>
@@ -2316,7 +2320,7 @@
             </a:ln>
             <a:extLst>
               <a:ext uri="{91240B29-F687-4f45-9708-019B960494DF}">
-                <a14:hiddenLine xmlns:a14="http://schemas.microsoft.com/office/drawing/2010/main" xmlns="" w="9525">
+                <a14:hiddenLine xmlns="" xmlns:a14="http://schemas.microsoft.com/office/drawing/2010/main" w="9525">
                   <a:solidFill>
                     <a:srgbClr val="000000"/>
                   </a:solidFill>
@@ -2350,7 +2354,7 @@
             </a:ln>
             <a:extLst>
               <a:ext uri="{91240B29-F687-4f45-9708-019B960494DF}">
-                <a14:hiddenLine xmlns:a14="http://schemas.microsoft.com/office/drawing/2010/main" xmlns="" w="9525">
+                <a14:hiddenLine xmlns="" xmlns:a14="http://schemas.microsoft.com/office/drawing/2010/main" w="9525">
                   <a:solidFill>
                     <a:srgbClr val="000000"/>
                   </a:solidFill>
@@ -2440,7 +2444,7 @@
             </a:ln>
             <a:extLst>
               <a:ext uri="{91240B29-F687-4f45-9708-019B960494DF}">
-                <a14:hiddenLine xmlns:a14="http://schemas.microsoft.com/office/drawing/2010/main" xmlns="" w="9525">
+                <a14:hiddenLine xmlns="" xmlns:a14="http://schemas.microsoft.com/office/drawing/2010/main" w="9525">
                   <a:solidFill>
                     <a:srgbClr val="000000"/>
                   </a:solidFill>
@@ -2502,7 +2506,7 @@
             </a:ln>
             <a:extLst>
               <a:ext uri="{91240B29-F687-4f45-9708-019B960494DF}">
-                <a14:hiddenLine xmlns:a14="http://schemas.microsoft.com/office/drawing/2010/main" xmlns="" w="9525">
+                <a14:hiddenLine xmlns="" xmlns:a14="http://schemas.microsoft.com/office/drawing/2010/main" w="9525">
                   <a:solidFill>
                     <a:srgbClr val="000000"/>
                   </a:solidFill>
@@ -2564,7 +2568,7 @@
             </a:ln>
             <a:extLst>
               <a:ext uri="{91240B29-F687-4f45-9708-019B960494DF}">
-                <a14:hiddenLine xmlns:a14="http://schemas.microsoft.com/office/drawing/2010/main" xmlns="" w="9525">
+                <a14:hiddenLine xmlns="" xmlns:a14="http://schemas.microsoft.com/office/drawing/2010/main" w="9525">
                   <a:solidFill>
                     <a:srgbClr val="000000"/>
                   </a:solidFill>
@@ -2654,7 +2658,7 @@
             </a:ln>
             <a:extLst>
               <a:ext uri="{91240B29-F687-4f45-9708-019B960494DF}">
-                <a14:hiddenLine xmlns:a14="http://schemas.microsoft.com/office/drawing/2010/main" xmlns="" w="9525">
+                <a14:hiddenLine xmlns="" xmlns:a14="http://schemas.microsoft.com/office/drawing/2010/main" w="9525">
                   <a:solidFill>
                     <a:srgbClr val="000000"/>
                   </a:solidFill>
@@ -2722,7 +2726,7 @@
             </a:ln>
             <a:extLst>
               <a:ext uri="{91240B29-F687-4f45-9708-019B960494DF}">
-                <a14:hiddenLine xmlns:a14="http://schemas.microsoft.com/office/drawing/2010/main" xmlns="" w="9525">
+                <a14:hiddenLine xmlns="" xmlns:a14="http://schemas.microsoft.com/office/drawing/2010/main" w="9525">
                   <a:solidFill>
                     <a:srgbClr val="000000"/>
                   </a:solidFill>
@@ -2784,7 +2788,7 @@
             </a:ln>
             <a:extLst>
               <a:ext uri="{91240B29-F687-4f45-9708-019B960494DF}">
-                <a14:hiddenLine xmlns:a14="http://schemas.microsoft.com/office/drawing/2010/main" xmlns="" w="9525">
+                <a14:hiddenLine xmlns="" xmlns:a14="http://schemas.microsoft.com/office/drawing/2010/main" w="9525">
                   <a:solidFill>
                     <a:srgbClr val="000000"/>
                   </a:solidFill>
@@ -2874,7 +2878,7 @@
             </a:ln>
             <a:extLst>
               <a:ext uri="{91240B29-F687-4f45-9708-019B960494DF}">
-                <a14:hiddenLine xmlns:a14="http://schemas.microsoft.com/office/drawing/2010/main" xmlns="" w="9525">
+                <a14:hiddenLine xmlns="" xmlns:a14="http://schemas.microsoft.com/office/drawing/2010/main" w="9525">
                   <a:solidFill>
                     <a:srgbClr val="000000"/>
                   </a:solidFill>
@@ -2936,7 +2940,7 @@
             </a:ln>
             <a:extLst>
               <a:ext uri="{91240B29-F687-4f45-9708-019B960494DF}">
-                <a14:hiddenLine xmlns:a14="http://schemas.microsoft.com/office/drawing/2010/main" xmlns="" w="9525">
+                <a14:hiddenLine xmlns="" xmlns:a14="http://schemas.microsoft.com/office/drawing/2010/main" w="9525">
                   <a:solidFill>
                     <a:srgbClr val="000000"/>
                   </a:solidFill>
@@ -3026,7 +3030,7 @@
             </a:ln>
             <a:extLst>
               <a:ext uri="{91240B29-F687-4f45-9708-019B960494DF}">
-                <a14:hiddenLine xmlns:a14="http://schemas.microsoft.com/office/drawing/2010/main" xmlns="" w="9525">
+                <a14:hiddenLine xmlns="" xmlns:a14="http://schemas.microsoft.com/office/drawing/2010/main" w="9525">
                   <a:solidFill>
                     <a:srgbClr val="000000"/>
                   </a:solidFill>
@@ -3088,7 +3092,7 @@
             </a:ln>
             <a:extLst>
               <a:ext uri="{91240B29-F687-4f45-9708-019B960494DF}">
-                <a14:hiddenLine xmlns:a14="http://schemas.microsoft.com/office/drawing/2010/main" xmlns="" w="9525">
+                <a14:hiddenLine xmlns="" xmlns:a14="http://schemas.microsoft.com/office/drawing/2010/main" w="9525">
                   <a:solidFill>
                     <a:srgbClr val="000000"/>
                   </a:solidFill>
@@ -3178,7 +3182,7 @@
             </a:ln>
             <a:extLst>
               <a:ext uri="{91240B29-F687-4f45-9708-019B960494DF}">
-                <a14:hiddenLine xmlns:a14="http://schemas.microsoft.com/office/drawing/2010/main" xmlns="" w="9525">
+                <a14:hiddenLine xmlns="" xmlns:a14="http://schemas.microsoft.com/office/drawing/2010/main" w="9525">
                   <a:solidFill>
                     <a:srgbClr val="000000"/>
                   </a:solidFill>
@@ -3212,7 +3216,7 @@
             </a:ln>
             <a:extLst>
               <a:ext uri="{91240B29-F687-4f45-9708-019B960494DF}">
-                <a14:hiddenLine xmlns:a14="http://schemas.microsoft.com/office/drawing/2010/main" xmlns="" w="9525">
+                <a14:hiddenLine xmlns="" xmlns:a14="http://schemas.microsoft.com/office/drawing/2010/main" w="9525">
                   <a:solidFill>
                     <a:srgbClr val="000000"/>
                   </a:solidFill>
@@ -3277,7 +3281,7 @@
             </a:ln>
             <a:extLst>
               <a:ext uri="{91240B29-F687-4f45-9708-019B960494DF}">
-                <a14:hiddenLine xmlns:a14="http://schemas.microsoft.com/office/drawing/2010/main" xmlns="" w="9525">
+                <a14:hiddenLine xmlns="" xmlns:a14="http://schemas.microsoft.com/office/drawing/2010/main" w="9525">
                   <a:solidFill>
                     <a:srgbClr val="000000"/>
                   </a:solidFill>
@@ -3367,7 +3371,7 @@
             </a:ln>
             <a:extLst>
               <a:ext uri="{91240B29-F687-4f45-9708-019B960494DF}">
-                <a14:hiddenLine xmlns:a14="http://schemas.microsoft.com/office/drawing/2010/main" xmlns="" w="9525">
+                <a14:hiddenLine xmlns="" xmlns:a14="http://schemas.microsoft.com/office/drawing/2010/main" w="9525">
                   <a:solidFill>
                     <a:srgbClr val="000000"/>
                   </a:solidFill>
@@ -3429,7 +3433,7 @@
             </a:ln>
             <a:extLst>
               <a:ext uri="{91240B29-F687-4f45-9708-019B960494DF}">
-                <a14:hiddenLine xmlns:a14="http://schemas.microsoft.com/office/drawing/2010/main" xmlns="" w="9525">
+                <a14:hiddenLine xmlns="" xmlns:a14="http://schemas.microsoft.com/office/drawing/2010/main" w="9525">
                   <a:solidFill>
                     <a:srgbClr val="000000"/>
                   </a:solidFill>
@@ -3519,7 +3523,7 @@
             </a:ln>
             <a:extLst>
               <a:ext uri="{91240B29-F687-4f45-9708-019B960494DF}">
-                <a14:hiddenLine xmlns:a14="http://schemas.microsoft.com/office/drawing/2010/main" xmlns="" w="9525">
+                <a14:hiddenLine xmlns="" xmlns:a14="http://schemas.microsoft.com/office/drawing/2010/main" w="9525">
                   <a:solidFill>
                     <a:srgbClr val="000000"/>
                   </a:solidFill>
@@ -3609,7 +3613,7 @@
             </a:ln>
             <a:extLst>
               <a:ext uri="{91240B29-F687-4f45-9708-019B960494DF}">
-                <a14:hiddenLine xmlns:a14="http://schemas.microsoft.com/office/drawing/2010/main" xmlns="" w="9525">
+                <a14:hiddenLine xmlns="" xmlns:a14="http://schemas.microsoft.com/office/drawing/2010/main" w="9525">
                   <a:solidFill>
                     <a:srgbClr val="000000"/>
                   </a:solidFill>
@@ -3674,7 +3678,7 @@
             </a:ln>
             <a:extLst>
               <a:ext uri="{91240B29-F687-4f45-9708-019B960494DF}">
-                <a14:hiddenLine xmlns:a14="http://schemas.microsoft.com/office/drawing/2010/main" xmlns="" w="9525">
+                <a14:hiddenLine xmlns="" xmlns:a14="http://schemas.microsoft.com/office/drawing/2010/main" w="9525">
                   <a:solidFill>
                     <a:srgbClr val="000000"/>
                   </a:solidFill>
@@ -3736,7 +3740,7 @@
             </a:ln>
             <a:extLst>
               <a:ext uri="{91240B29-F687-4f45-9708-019B960494DF}">
-                <a14:hiddenLine xmlns:a14="http://schemas.microsoft.com/office/drawing/2010/main" xmlns="" w="9525">
+                <a14:hiddenLine xmlns="" xmlns:a14="http://schemas.microsoft.com/office/drawing/2010/main" w="9525">
                   <a:solidFill>
                     <a:srgbClr val="000000"/>
                   </a:solidFill>
@@ -3826,7 +3830,7 @@
             </a:ln>
             <a:extLst>
               <a:ext uri="{91240B29-F687-4f45-9708-019B960494DF}">
-                <a14:hiddenLine xmlns:a14="http://schemas.microsoft.com/office/drawing/2010/main" xmlns="" w="9525">
+                <a14:hiddenLine xmlns="" xmlns:a14="http://schemas.microsoft.com/office/drawing/2010/main" w="9525">
                   <a:solidFill>
                     <a:srgbClr val="000000"/>
                   </a:solidFill>
@@ -3916,7 +3920,7 @@
             </a:ln>
             <a:extLst>
               <a:ext uri="{91240B29-F687-4f45-9708-019B960494DF}">
-                <a14:hiddenLine xmlns:a14="http://schemas.microsoft.com/office/drawing/2010/main" xmlns="" w="9525">
+                <a14:hiddenLine xmlns="" xmlns:a14="http://schemas.microsoft.com/office/drawing/2010/main" w="9525">
                   <a:solidFill>
                     <a:srgbClr val="000000"/>
                   </a:solidFill>
@@ -3978,7 +3982,7 @@
             </a:ln>
             <a:extLst>
               <a:ext uri="{91240B29-F687-4f45-9708-019B960494DF}">
-                <a14:hiddenLine xmlns:a14="http://schemas.microsoft.com/office/drawing/2010/main" xmlns="" w="9525">
+                <a14:hiddenLine xmlns="" xmlns:a14="http://schemas.microsoft.com/office/drawing/2010/main" w="9525">
                   <a:solidFill>
                     <a:srgbClr val="000000"/>
                   </a:solidFill>
@@ -4098,7 +4102,7 @@
             </a:ln>
             <a:extLst>
               <a:ext uri="{91240B29-F687-4f45-9708-019B960494DF}">
-                <a14:hiddenLine xmlns:a14="http://schemas.microsoft.com/office/drawing/2010/main" xmlns="" w="9525">
+                <a14:hiddenLine xmlns="" xmlns:a14="http://schemas.microsoft.com/office/drawing/2010/main" w="9525">
                   <a:solidFill>
                     <a:srgbClr val="000000"/>
                   </a:solidFill>
@@ -4166,7 +4170,7 @@
             </a:ln>
             <a:extLst>
               <a:ext uri="{91240B29-F687-4f45-9708-019B960494DF}">
-                <a14:hiddenLine xmlns:a14="http://schemas.microsoft.com/office/drawing/2010/main" xmlns="" w="9525">
+                <a14:hiddenLine xmlns="" xmlns:a14="http://schemas.microsoft.com/office/drawing/2010/main" w="9525">
                   <a:solidFill>
                     <a:srgbClr val="000000"/>
                   </a:solidFill>
@@ -4256,7 +4260,7 @@
             </a:ln>
             <a:extLst>
               <a:ext uri="{91240B29-F687-4f45-9708-019B960494DF}">
-                <a14:hiddenLine xmlns:a14="http://schemas.microsoft.com/office/drawing/2010/main" xmlns="" w="9525">
+                <a14:hiddenLine xmlns="" xmlns:a14="http://schemas.microsoft.com/office/drawing/2010/main" w="9525">
                   <a:solidFill>
                     <a:srgbClr val="000000"/>
                   </a:solidFill>
@@ -4396,7 +4400,7 @@
           <a:p>
             <a:fld id="{48A87A34-81AB-432B-8DAE-1953F412C126}" type="datetimeFigureOut">
               <a:rPr lang="en-US" dirty="0"/>
-              <a:t>12/2/2016</a:t>
+              <a:t>12/5/2016</a:t>
             </a:fld>
             <a:endParaRPr lang="en-US" dirty="0"/>
           </a:p>
@@ -4658,7 +4662,7 @@
           <a:p>
             <a:fld id="{48A87A34-81AB-432B-8DAE-1953F412C126}" type="datetimeFigureOut">
               <a:rPr lang="en-US" dirty="0"/>
-              <a:t>12/2/2016</a:t>
+              <a:t>12/5/2016</a:t>
             </a:fld>
             <a:endParaRPr lang="en-US" dirty="0"/>
           </a:p>
@@ -4849,7 +4853,7 @@
           <a:p>
             <a:fld id="{48A87A34-81AB-432B-8DAE-1953F412C126}" type="datetimeFigureOut">
               <a:rPr lang="en-US" dirty="0"/>
-              <a:t>12/2/2016</a:t>
+              <a:t>12/5/2016</a:t>
             </a:fld>
             <a:endParaRPr lang="en-US" dirty="0"/>
           </a:p>
@@ -5107,7 +5111,7 @@
           <a:p>
             <a:fld id="{48A87A34-81AB-432B-8DAE-1953F412C126}" type="datetimeFigureOut">
               <a:rPr lang="en-US" dirty="0"/>
-              <a:t>12/2/2016</a:t>
+              <a:t>12/5/2016</a:t>
             </a:fld>
             <a:endParaRPr lang="en-US" dirty="0"/>
           </a:p>
@@ -5536,7 +5540,7 @@
           <a:p>
             <a:fld id="{48A87A34-81AB-432B-8DAE-1953F412C126}" type="datetimeFigureOut">
               <a:rPr lang="en-US" dirty="0"/>
-              <a:t>12/2/2016</a:t>
+              <a:t>12/5/2016</a:t>
             </a:fld>
             <a:endParaRPr lang="en-US" dirty="0"/>
           </a:p>
@@ -6077,7 +6081,7 @@
           <a:p>
             <a:fld id="{48A87A34-81AB-432B-8DAE-1953F412C126}" type="datetimeFigureOut">
               <a:rPr lang="en-US" dirty="0"/>
-              <a:t>12/2/2016</a:t>
+              <a:t>12/5/2016</a:t>
             </a:fld>
             <a:endParaRPr lang="en-US" dirty="0"/>
           </a:p>
@@ -6792,7 +6796,7 @@
           <a:p>
             <a:fld id="{48A87A34-81AB-432B-8DAE-1953F412C126}" type="datetimeFigureOut">
               <a:rPr lang="en-US" dirty="0"/>
-              <a:t>12/2/2016</a:t>
+              <a:t>12/5/2016</a:t>
             </a:fld>
             <a:endParaRPr lang="en-US" dirty="0"/>
           </a:p>
@@ -6957,7 +6961,7 @@
           <a:p>
             <a:fld id="{48A87A34-81AB-432B-8DAE-1953F412C126}" type="datetimeFigureOut">
               <a:rPr lang="en-US" dirty="0"/>
-              <a:t>12/2/2016</a:t>
+              <a:t>12/5/2016</a:t>
             </a:fld>
             <a:endParaRPr lang="en-US" dirty="0"/>
           </a:p>
@@ -7132,7 +7136,7 @@
           <a:p>
             <a:fld id="{48A87A34-81AB-432B-8DAE-1953F412C126}" type="datetimeFigureOut">
               <a:rPr lang="en-US" dirty="0"/>
-              <a:t>12/2/2016</a:t>
+              <a:t>12/5/2016</a:t>
             </a:fld>
             <a:endParaRPr lang="en-US" dirty="0"/>
           </a:p>
@@ -7297,7 +7301,7 @@
           <a:p>
             <a:fld id="{48A87A34-81AB-432B-8DAE-1953F412C126}" type="datetimeFigureOut">
               <a:rPr lang="en-US" dirty="0"/>
-              <a:t>12/2/2016</a:t>
+              <a:t>12/5/2016</a:t>
             </a:fld>
             <a:endParaRPr lang="en-US" dirty="0"/>
           </a:p>
@@ -7542,7 +7546,7 @@
           <a:p>
             <a:fld id="{48A87A34-81AB-432B-8DAE-1953F412C126}" type="datetimeFigureOut">
               <a:rPr lang="en-US" dirty="0"/>
-              <a:t>12/2/2016</a:t>
+              <a:t>12/5/2016</a:t>
             </a:fld>
             <a:endParaRPr lang="en-US" dirty="0"/>
           </a:p>
@@ -7769,7 +7773,7 @@
           <a:p>
             <a:fld id="{48A87A34-81AB-432B-8DAE-1953F412C126}" type="datetimeFigureOut">
               <a:rPr lang="en-US" dirty="0"/>
-              <a:t>12/2/2016</a:t>
+              <a:t>12/5/2016</a:t>
             </a:fld>
             <a:endParaRPr lang="en-US" dirty="0"/>
           </a:p>
@@ -8145,7 +8149,7 @@
           <a:p>
             <a:fld id="{48A87A34-81AB-432B-8DAE-1953F412C126}" type="datetimeFigureOut">
               <a:rPr lang="en-US" dirty="0"/>
-              <a:t>12/2/2016</a:t>
+              <a:t>12/5/2016</a:t>
             </a:fld>
             <a:endParaRPr lang="en-US" dirty="0"/>
           </a:p>
@@ -8258,7 +8262,7 @@
           <a:p>
             <a:fld id="{48A87A34-81AB-432B-8DAE-1953F412C126}" type="datetimeFigureOut">
               <a:rPr lang="en-US" dirty="0"/>
-              <a:t>12/2/2016</a:t>
+              <a:t>12/5/2016</a:t>
             </a:fld>
             <a:endParaRPr lang="en-US" dirty="0"/>
           </a:p>
@@ -8348,7 +8352,7 @@
           <a:p>
             <a:fld id="{48A87A34-81AB-432B-8DAE-1953F412C126}" type="datetimeFigureOut">
               <a:rPr lang="en-US" dirty="0"/>
-              <a:t>12/2/2016</a:t>
+              <a:t>12/5/2016</a:t>
             </a:fld>
             <a:endParaRPr lang="en-US" dirty="0"/>
           </a:p>
@@ -8592,7 +8596,7 @@
           <a:p>
             <a:fld id="{48A87A34-81AB-432B-8DAE-1953F412C126}" type="datetimeFigureOut">
               <a:rPr lang="en-US" dirty="0"/>
-              <a:t>12/2/2016</a:t>
+              <a:t>12/5/2016</a:t>
             </a:fld>
             <a:endParaRPr lang="en-US" dirty="0"/>
           </a:p>
@@ -8867,7 +8871,7 @@
           <a:p>
             <a:fld id="{48A87A34-81AB-432B-8DAE-1953F412C126}" type="datetimeFigureOut">
               <a:rPr lang="en-US" dirty="0"/>
-              <a:t>12/2/2016</a:t>
+              <a:t>12/5/2016</a:t>
             </a:fld>
             <a:endParaRPr lang="en-US" dirty="0"/>
           </a:p>
@@ -8985,7 +8989,7 @@
           <a:noFill/>
           <a:extLst>
             <a:ext uri="{909E8E84-426E-40dd-AFC4-6F175D3DCCD1}">
-              <a14:hiddenFill xmlns:a14="http://schemas.microsoft.com/office/drawing/2010/main" xmlns="">
+              <a14:hiddenFill xmlns="" xmlns:a14="http://schemas.microsoft.com/office/drawing/2010/main">
                 <a:solidFill>
                   <a:srgbClr val="FFFFFF"/>
                 </a:solidFill>
@@ -9059,7 +9063,7 @@
               </a:ln>
               <a:extLst>
                 <a:ext uri="{91240B29-F687-4f45-9708-019B960494DF}">
-                  <a14:hiddenLine xmlns:a14="http://schemas.microsoft.com/office/drawing/2010/main" xmlns="" w="9525">
+                  <a14:hiddenLine xmlns="" xmlns:a14="http://schemas.microsoft.com/office/drawing/2010/main" w="9525">
                     <a:solidFill>
                       <a:srgbClr val="000000"/>
                     </a:solidFill>
@@ -9149,7 +9153,7 @@
               </a:ln>
               <a:extLst>
                 <a:ext uri="{91240B29-F687-4f45-9708-019B960494DF}">
-                  <a14:hiddenLine xmlns:a14="http://schemas.microsoft.com/office/drawing/2010/main" xmlns="" w="9525">
+                  <a14:hiddenLine xmlns="" xmlns:a14="http://schemas.microsoft.com/office/drawing/2010/main" w="9525">
                     <a:solidFill>
                       <a:srgbClr val="000000"/>
                     </a:solidFill>
@@ -9239,7 +9243,7 @@
               </a:ln>
               <a:extLst>
                 <a:ext uri="{91240B29-F687-4f45-9708-019B960494DF}">
-                  <a14:hiddenLine xmlns:a14="http://schemas.microsoft.com/office/drawing/2010/main" xmlns="" w="9525">
+                  <a14:hiddenLine xmlns="" xmlns:a14="http://schemas.microsoft.com/office/drawing/2010/main" w="9525">
                     <a:solidFill>
                       <a:srgbClr val="000000"/>
                     </a:solidFill>
@@ -9301,7 +9305,7 @@
               </a:ln>
               <a:extLst>
                 <a:ext uri="{91240B29-F687-4f45-9708-019B960494DF}">
-                  <a14:hiddenLine xmlns:a14="http://schemas.microsoft.com/office/drawing/2010/main" xmlns="" w="9525">
+                  <a14:hiddenLine xmlns="" xmlns:a14="http://schemas.microsoft.com/office/drawing/2010/main" w="9525">
                     <a:solidFill>
                       <a:srgbClr val="000000"/>
                     </a:solidFill>
@@ -9391,7 +9395,7 @@
               </a:ln>
               <a:extLst>
                 <a:ext uri="{91240B29-F687-4f45-9708-019B960494DF}">
-                  <a14:hiddenLine xmlns:a14="http://schemas.microsoft.com/office/drawing/2010/main" xmlns="" w="9525">
+                  <a14:hiddenLine xmlns="" xmlns:a14="http://schemas.microsoft.com/office/drawing/2010/main" w="9525">
                     <a:solidFill>
                       <a:srgbClr val="000000"/>
                     </a:solidFill>
@@ -9453,7 +9457,7 @@
               </a:ln>
               <a:extLst>
                 <a:ext uri="{91240B29-F687-4f45-9708-019B960494DF}">
-                  <a14:hiddenLine xmlns:a14="http://schemas.microsoft.com/office/drawing/2010/main" xmlns="" w="9525">
+                  <a14:hiddenLine xmlns="" xmlns:a14="http://schemas.microsoft.com/office/drawing/2010/main" w="9525">
                     <a:solidFill>
                       <a:srgbClr val="000000"/>
                     </a:solidFill>
@@ -9515,7 +9519,7 @@
               </a:ln>
               <a:extLst>
                 <a:ext uri="{91240B29-F687-4f45-9708-019B960494DF}">
-                  <a14:hiddenLine xmlns:a14="http://schemas.microsoft.com/office/drawing/2010/main" xmlns="" w="9525">
+                  <a14:hiddenLine xmlns="" xmlns:a14="http://schemas.microsoft.com/office/drawing/2010/main" w="9525">
                     <a:solidFill>
                       <a:srgbClr val="000000"/>
                     </a:solidFill>
@@ -9605,7 +9609,7 @@
               </a:ln>
               <a:extLst>
                 <a:ext uri="{91240B29-F687-4f45-9708-019B960494DF}">
-                  <a14:hiddenLine xmlns:a14="http://schemas.microsoft.com/office/drawing/2010/main" xmlns="" w="9525">
+                  <a14:hiddenLine xmlns="" xmlns:a14="http://schemas.microsoft.com/office/drawing/2010/main" w="9525">
                     <a:solidFill>
                       <a:srgbClr val="000000"/>
                     </a:solidFill>
@@ -9695,7 +9699,7 @@
               </a:ln>
               <a:extLst>
                 <a:ext uri="{91240B29-F687-4f45-9708-019B960494DF}">
-                  <a14:hiddenLine xmlns:a14="http://schemas.microsoft.com/office/drawing/2010/main" xmlns="" w="9525">
+                  <a14:hiddenLine xmlns="" xmlns:a14="http://schemas.microsoft.com/office/drawing/2010/main" w="9525">
                     <a:solidFill>
                       <a:srgbClr val="000000"/>
                     </a:solidFill>
@@ -9757,7 +9761,7 @@
               </a:ln>
               <a:extLst>
                 <a:ext uri="{91240B29-F687-4f45-9708-019B960494DF}">
-                  <a14:hiddenLine xmlns:a14="http://schemas.microsoft.com/office/drawing/2010/main" xmlns="" w="9525">
+                  <a14:hiddenLine xmlns="" xmlns:a14="http://schemas.microsoft.com/office/drawing/2010/main" w="9525">
                     <a:solidFill>
                       <a:srgbClr val="000000"/>
                     </a:solidFill>
@@ -9867,7 +9871,7 @@
               </a:ln>
               <a:extLst>
                 <a:ext uri="{91240B29-F687-4f45-9708-019B960494DF}">
-                  <a14:hiddenLine xmlns:a14="http://schemas.microsoft.com/office/drawing/2010/main" xmlns="" w="9525">
+                  <a14:hiddenLine xmlns="" xmlns:a14="http://schemas.microsoft.com/office/drawing/2010/main" w="9525">
                     <a:solidFill>
                       <a:srgbClr val="000000"/>
                     </a:solidFill>
@@ -9951,7 +9955,7 @@
               </a:ln>
               <a:extLst>
                 <a:ext uri="{91240B29-F687-4f45-9708-019B960494DF}">
-                  <a14:hiddenLine xmlns:a14="http://schemas.microsoft.com/office/drawing/2010/main" xmlns="" w="9525">
+                  <a14:hiddenLine xmlns="" xmlns:a14="http://schemas.microsoft.com/office/drawing/2010/main" w="9525">
                     <a:solidFill>
                       <a:srgbClr val="000000"/>
                     </a:solidFill>
@@ -10013,7 +10017,7 @@
               </a:ln>
               <a:extLst>
                 <a:ext uri="{91240B29-F687-4f45-9708-019B960494DF}">
-                  <a14:hiddenLine xmlns:a14="http://schemas.microsoft.com/office/drawing/2010/main" xmlns="" w="9525">
+                  <a14:hiddenLine xmlns="" xmlns:a14="http://schemas.microsoft.com/office/drawing/2010/main" w="9525">
                     <a:solidFill>
                       <a:srgbClr val="000000"/>
                     </a:solidFill>
@@ -10075,7 +10079,7 @@
               </a:ln>
               <a:extLst>
                 <a:ext uri="{91240B29-F687-4f45-9708-019B960494DF}">
-                  <a14:hiddenLine xmlns:a14="http://schemas.microsoft.com/office/drawing/2010/main" xmlns="" w="9525">
+                  <a14:hiddenLine xmlns="" xmlns:a14="http://schemas.microsoft.com/office/drawing/2010/main" w="9525">
                     <a:solidFill>
                       <a:srgbClr val="000000"/>
                     </a:solidFill>
@@ -10165,7 +10169,7 @@
               </a:ln>
               <a:extLst>
                 <a:ext uri="{91240B29-F687-4f45-9708-019B960494DF}">
-                  <a14:hiddenLine xmlns:a14="http://schemas.microsoft.com/office/drawing/2010/main" xmlns="" w="9525">
+                  <a14:hiddenLine xmlns="" xmlns:a14="http://schemas.microsoft.com/office/drawing/2010/main" w="9525">
                     <a:solidFill>
                       <a:srgbClr val="000000"/>
                     </a:solidFill>
@@ -10199,7 +10203,7 @@
               </a:ln>
               <a:extLst>
                 <a:ext uri="{91240B29-F687-4f45-9708-019B960494DF}">
-                  <a14:hiddenLine xmlns:a14="http://schemas.microsoft.com/office/drawing/2010/main" xmlns="" w="9525">
+                  <a14:hiddenLine xmlns="" xmlns:a14="http://schemas.microsoft.com/office/drawing/2010/main" w="9525">
                     <a:solidFill>
                       <a:srgbClr val="000000"/>
                     </a:solidFill>
@@ -10264,7 +10268,7 @@
               </a:ln>
               <a:extLst>
                 <a:ext uri="{91240B29-F687-4f45-9708-019B960494DF}">
-                  <a14:hiddenLine xmlns:a14="http://schemas.microsoft.com/office/drawing/2010/main" xmlns="" w="9525">
+                  <a14:hiddenLine xmlns="" xmlns:a14="http://schemas.microsoft.com/office/drawing/2010/main" w="9525">
                     <a:solidFill>
                       <a:srgbClr val="000000"/>
                     </a:solidFill>
@@ -10354,7 +10358,7 @@
               </a:ln>
               <a:extLst>
                 <a:ext uri="{91240B29-F687-4f45-9708-019B960494DF}">
-                  <a14:hiddenLine xmlns:a14="http://schemas.microsoft.com/office/drawing/2010/main" xmlns="" w="9525">
+                  <a14:hiddenLine xmlns="" xmlns:a14="http://schemas.microsoft.com/office/drawing/2010/main" w="9525">
                     <a:solidFill>
                       <a:srgbClr val="000000"/>
                     </a:solidFill>
@@ -10416,7 +10420,7 @@
               </a:ln>
               <a:extLst>
                 <a:ext uri="{91240B29-F687-4f45-9708-019B960494DF}">
-                  <a14:hiddenLine xmlns:a14="http://schemas.microsoft.com/office/drawing/2010/main" xmlns="" w="9525">
+                  <a14:hiddenLine xmlns="" xmlns:a14="http://schemas.microsoft.com/office/drawing/2010/main" w="9525">
                     <a:solidFill>
                       <a:srgbClr val="000000"/>
                     </a:solidFill>
@@ -10506,7 +10510,7 @@
               </a:ln>
               <a:extLst>
                 <a:ext uri="{91240B29-F687-4f45-9708-019B960494DF}">
-                  <a14:hiddenLine xmlns:a14="http://schemas.microsoft.com/office/drawing/2010/main" xmlns="" w="9525">
+                  <a14:hiddenLine xmlns="" xmlns:a14="http://schemas.microsoft.com/office/drawing/2010/main" w="9525">
                     <a:solidFill>
                       <a:srgbClr val="000000"/>
                     </a:solidFill>
@@ -10571,7 +10575,7 @@
               </a:ln>
               <a:extLst>
                 <a:ext uri="{91240B29-F687-4f45-9708-019B960494DF}">
-                  <a14:hiddenLine xmlns:a14="http://schemas.microsoft.com/office/drawing/2010/main" xmlns="" w="9525">
+                  <a14:hiddenLine xmlns="" xmlns:a14="http://schemas.microsoft.com/office/drawing/2010/main" w="9525">
                     <a:solidFill>
                       <a:srgbClr val="000000"/>
                     </a:solidFill>
@@ -10633,7 +10637,7 @@
               </a:ln>
               <a:extLst>
                 <a:ext uri="{91240B29-F687-4f45-9708-019B960494DF}">
-                  <a14:hiddenLine xmlns:a14="http://schemas.microsoft.com/office/drawing/2010/main" xmlns="" w="9525">
+                  <a14:hiddenLine xmlns="" xmlns:a14="http://schemas.microsoft.com/office/drawing/2010/main" w="9525">
                     <a:solidFill>
                       <a:srgbClr val="000000"/>
                     </a:solidFill>
@@ -10723,7 +10727,7 @@
               </a:ln>
               <a:extLst>
                 <a:ext uri="{91240B29-F687-4f45-9708-019B960494DF}">
-                  <a14:hiddenLine xmlns:a14="http://schemas.microsoft.com/office/drawing/2010/main" xmlns="" w="9525">
+                  <a14:hiddenLine xmlns="" xmlns:a14="http://schemas.microsoft.com/office/drawing/2010/main" w="9525">
                     <a:solidFill>
                       <a:srgbClr val="000000"/>
                     </a:solidFill>
@@ -10813,7 +10817,7 @@
               </a:ln>
               <a:extLst>
                 <a:ext uri="{91240B29-F687-4f45-9708-019B960494DF}">
-                  <a14:hiddenLine xmlns:a14="http://schemas.microsoft.com/office/drawing/2010/main" xmlns="" w="9525">
+                  <a14:hiddenLine xmlns="" xmlns:a14="http://schemas.microsoft.com/office/drawing/2010/main" w="9525">
                     <a:solidFill>
                       <a:srgbClr val="000000"/>
                     </a:solidFill>
@@ -10878,7 +10882,7 @@
               </a:ln>
               <a:extLst>
                 <a:ext uri="{91240B29-F687-4f45-9708-019B960494DF}">
-                  <a14:hiddenLine xmlns:a14="http://schemas.microsoft.com/office/drawing/2010/main" xmlns="" w="9525">
+                  <a14:hiddenLine xmlns="" xmlns:a14="http://schemas.microsoft.com/office/drawing/2010/main" w="9525">
                     <a:solidFill>
                       <a:srgbClr val="000000"/>
                     </a:solidFill>
@@ -10998,7 +11002,7 @@
               </a:ln>
               <a:extLst>
                 <a:ext uri="{91240B29-F687-4f45-9708-019B960494DF}">
-                  <a14:hiddenLine xmlns:a14="http://schemas.microsoft.com/office/drawing/2010/main" xmlns="" w="9525">
+                  <a14:hiddenLine xmlns="" xmlns:a14="http://schemas.microsoft.com/office/drawing/2010/main" w="9525">
                     <a:solidFill>
                       <a:srgbClr val="000000"/>
                     </a:solidFill>
@@ -11079,7 +11083,7 @@
               </a:ln>
               <a:extLst>
                 <a:ext uri="{91240B29-F687-4f45-9708-019B960494DF}">
-                  <a14:hiddenLine xmlns:a14="http://schemas.microsoft.com/office/drawing/2010/main" xmlns="" w="9525">
+                  <a14:hiddenLine xmlns="" xmlns:a14="http://schemas.microsoft.com/office/drawing/2010/main" w="9525">
                     <a:solidFill>
                       <a:srgbClr val="000000"/>
                     </a:solidFill>
@@ -11194,7 +11198,7 @@
               </a:ln>
               <a:extLst>
                 <a:ext uri="{91240B29-F687-4f45-9708-019B960494DF}">
-                  <a14:hiddenLine xmlns:a14="http://schemas.microsoft.com/office/drawing/2010/main" xmlns="" w="9525">
+                  <a14:hiddenLine xmlns="" xmlns:a14="http://schemas.microsoft.com/office/drawing/2010/main" w="9525">
                     <a:solidFill>
                       <a:srgbClr val="000000"/>
                     </a:solidFill>
@@ -11284,7 +11288,7 @@
               </a:ln>
               <a:extLst>
                 <a:ext uri="{91240B29-F687-4f45-9708-019B960494DF}">
-                  <a14:hiddenLine xmlns:a14="http://schemas.microsoft.com/office/drawing/2010/main" xmlns="" w="9525">
+                  <a14:hiddenLine xmlns="" xmlns:a14="http://schemas.microsoft.com/office/drawing/2010/main" w="9525">
                     <a:solidFill>
                       <a:srgbClr val="000000"/>
                     </a:solidFill>
@@ -11349,7 +11353,7 @@
               </a:ln>
               <a:extLst>
                 <a:ext uri="{91240B29-F687-4f45-9708-019B960494DF}">
-                  <a14:hiddenLine xmlns:a14="http://schemas.microsoft.com/office/drawing/2010/main" xmlns="" w="9525">
+                  <a14:hiddenLine xmlns="" xmlns:a14="http://schemas.microsoft.com/office/drawing/2010/main" w="9525">
                     <a:solidFill>
                       <a:srgbClr val="000000"/>
                     </a:solidFill>
@@ -11439,7 +11443,7 @@
               </a:ln>
               <a:extLst>
                 <a:ext uri="{91240B29-F687-4f45-9708-019B960494DF}">
-                  <a14:hiddenLine xmlns:a14="http://schemas.microsoft.com/office/drawing/2010/main" xmlns="" w="9525">
+                  <a14:hiddenLine xmlns="" xmlns:a14="http://schemas.microsoft.com/office/drawing/2010/main" w="9525">
                     <a:solidFill>
                       <a:srgbClr val="000000"/>
                     </a:solidFill>
@@ -11507,7 +11511,7 @@
               </a:ln>
               <a:extLst>
                 <a:ext uri="{91240B29-F687-4f45-9708-019B960494DF}">
-                  <a14:hiddenLine xmlns:a14="http://schemas.microsoft.com/office/drawing/2010/main" xmlns="" w="9525">
+                  <a14:hiddenLine xmlns="" xmlns:a14="http://schemas.microsoft.com/office/drawing/2010/main" w="9525">
                     <a:solidFill>
                       <a:srgbClr val="000000"/>
                     </a:solidFill>
@@ -11597,7 +11601,7 @@
               </a:ln>
               <a:extLst>
                 <a:ext uri="{91240B29-F687-4f45-9708-019B960494DF}">
-                  <a14:hiddenLine xmlns:a14="http://schemas.microsoft.com/office/drawing/2010/main" xmlns="" w="9525">
+                  <a14:hiddenLine xmlns="" xmlns:a14="http://schemas.microsoft.com/office/drawing/2010/main" w="9525">
                     <a:solidFill>
                       <a:srgbClr val="000000"/>
                     </a:solidFill>
@@ -11665,7 +11669,7 @@
               </a:ln>
               <a:extLst>
                 <a:ext uri="{91240B29-F687-4f45-9708-019B960494DF}">
-                  <a14:hiddenLine xmlns:a14="http://schemas.microsoft.com/office/drawing/2010/main" xmlns="" w="9525">
+                  <a14:hiddenLine xmlns="" xmlns:a14="http://schemas.microsoft.com/office/drawing/2010/main" w="9525">
                     <a:solidFill>
                       <a:srgbClr val="000000"/>
                     </a:solidFill>
@@ -11755,7 +11759,7 @@
               </a:ln>
               <a:extLst>
                 <a:ext uri="{91240B29-F687-4f45-9708-019B960494DF}">
-                  <a14:hiddenLine xmlns:a14="http://schemas.microsoft.com/office/drawing/2010/main" xmlns="" w="9525">
+                  <a14:hiddenLine xmlns="" xmlns:a14="http://schemas.microsoft.com/office/drawing/2010/main" w="9525">
                     <a:solidFill>
                       <a:srgbClr val="000000"/>
                     </a:solidFill>
@@ -11789,7 +11793,7 @@
               </a:ln>
               <a:extLst>
                 <a:ext uri="{91240B29-F687-4f45-9708-019B960494DF}">
-                  <a14:hiddenLine xmlns:a14="http://schemas.microsoft.com/office/drawing/2010/main" xmlns="" w="9525">
+                  <a14:hiddenLine xmlns="" xmlns:a14="http://schemas.microsoft.com/office/drawing/2010/main" w="9525">
                     <a:solidFill>
                       <a:srgbClr val="000000"/>
                     </a:solidFill>
@@ -11930,7 +11934,7 @@
             <a:fld id="{48A87A34-81AB-432B-8DAE-1953F412C126}" type="datetimeFigureOut">
               <a:rPr lang="en-US" dirty="0"/>
               <a:pPr/>
-              <a:t>12/2/2016</a:t>
+              <a:t>12/5/2016</a:t>
             </a:fld>
             <a:endParaRPr lang="en-US" dirty="0"/>
           </a:p>
@@ -12501,13 +12505,13 @@
   <p:clrMapOvr>
     <a:masterClrMapping/>
   </p:clrMapOvr>
-  <mc:AlternateContent xmlns:mc="http://schemas.openxmlformats.org/markup-compatibility/2006">
-    <mc:Choice xmlns:p159="http://schemas.microsoft.com/office/powerpoint/2015/09/main" Requires="p159">
+  <mc:AlternateContent xmlns:mc="http://schemas.openxmlformats.org/markup-compatibility/2006" xmlns:p159="http://schemas.microsoft.com/office/powerpoint/2015/09/main">
+    <mc:Choice Requires="p159">
       <p:transition xmlns:p14="http://schemas.microsoft.com/office/powerpoint/2010/main" spd="slow" p14:dur="2000">
         <p159:morph option="byObject"/>
       </p:transition>
     </mc:Choice>
-    <mc:Fallback>
+    <mc:Fallback xmlns="">
       <p:transition spd="slow">
         <p:fade/>
       </p:transition>
@@ -12856,13 +12860,13 @@
   <p:clrMapOvr>
     <a:masterClrMapping/>
   </p:clrMapOvr>
-  <mc:AlternateContent xmlns:mc="http://schemas.openxmlformats.org/markup-compatibility/2006">
-    <mc:Choice xmlns:p14="http://schemas.microsoft.com/office/powerpoint/2010/main" Requires="p14">
+  <mc:AlternateContent xmlns:mc="http://schemas.openxmlformats.org/markup-compatibility/2006" xmlns:p14="http://schemas.microsoft.com/office/powerpoint/2010/main">
+    <mc:Choice Requires="p14">
       <p:transition spd="slow" p14:dur="1600">
         <p:blinds dir="vert"/>
       </p:transition>
     </mc:Choice>
-    <mc:Fallback>
+    <mc:Fallback xmlns="">
       <p:transition spd="slow">
         <p:blinds dir="vert"/>
       </p:transition>
@@ -13321,13 +13325,13 @@
   <p:clrMapOvr>
     <a:masterClrMapping/>
   </p:clrMapOvr>
-  <mc:AlternateContent xmlns:mc="http://schemas.openxmlformats.org/markup-compatibility/2006">
-    <mc:Choice xmlns:p14="http://schemas.microsoft.com/office/powerpoint/2010/main" Requires="p14">
+  <mc:AlternateContent xmlns:mc="http://schemas.openxmlformats.org/markup-compatibility/2006" xmlns:p14="http://schemas.microsoft.com/office/powerpoint/2010/main">
+    <mc:Choice Requires="p14">
       <p:transition spd="slow" p14:dur="1600">
         <p:blinds dir="vert"/>
       </p:transition>
     </mc:Choice>
-    <mc:Fallback>
+    <mc:Fallback xmlns="">
       <p:transition spd="slow">
         <p:blinds dir="vert"/>
       </p:transition>
@@ -13544,16 +13548,15 @@
           </p:cNvPicPr>
           <p:nvPr/>
         </p:nvPicPr>
-        <p:blipFill>
+        <p:blipFill rotWithShape="1">
           <a:blip r:embed="rId3"/>
-          <a:stretch>
-            <a:fillRect/>
-          </a:stretch>
+          <a:srcRect t="11571" b="5806"/>
+          <a:stretch/>
         </p:blipFill>
         <p:spPr>
           <a:xfrm>
-            <a:off x="3962808" y="2823928"/>
-            <a:ext cx="5277727" cy="2967273"/>
+            <a:off x="3962808" y="3167271"/>
+            <a:ext cx="5277727" cy="2451652"/>
           </a:xfrm>
           <a:prstGeom prst="rect">
             <a:avLst/>
@@ -13618,13 +13621,13 @@
   <p:clrMapOvr>
     <a:masterClrMapping/>
   </p:clrMapOvr>
-  <mc:AlternateContent xmlns:mc="http://schemas.openxmlformats.org/markup-compatibility/2006">
-    <mc:Choice xmlns:p14="http://schemas.microsoft.com/office/powerpoint/2010/main" Requires="p14">
+  <mc:AlternateContent xmlns:mc="http://schemas.openxmlformats.org/markup-compatibility/2006" xmlns:p14="http://schemas.microsoft.com/office/powerpoint/2010/main">
+    <mc:Choice Requires="p14">
       <p:transition spd="slow" p14:dur="1600">
         <p:blinds dir="vert"/>
       </p:transition>
     </mc:Choice>
-    <mc:Fallback>
+    <mc:Fallback xmlns="">
       <p:transition spd="slow">
         <p:blinds dir="vert"/>
       </p:transition>
@@ -13818,7 +13821,6 @@
               <a:rPr lang="fr-FR" sz="3200" dirty="0"/>
               <a:t>Technologie utilisé : Front end administrateur</a:t>
             </a:r>
-            <a:endParaRPr lang="fr-FR" sz="3200" dirty="0"/>
           </a:p>
         </p:txBody>
       </p:sp>
@@ -13895,6 +13897,29 @@
           </a:prstGeom>
         </p:spPr>
       </p:pic>
+      <p:pic>
+        <p:nvPicPr>
+          <p:cNvPr id="4" name="Image 3"/>
+          <p:cNvPicPr>
+            <a:picLocks noChangeAspect="1"/>
+          </p:cNvPicPr>
+          <p:nvPr/>
+        </p:nvPicPr>
+        <p:blipFill rotWithShape="1">
+          <a:blip r:embed="rId4"/>
+          <a:srcRect t="11802" b="5190"/>
+          <a:stretch/>
+        </p:blipFill>
+        <p:spPr>
+          <a:xfrm>
+            <a:off x="4192685" y="2830903"/>
+            <a:ext cx="6506483" cy="3036498"/>
+          </a:xfrm>
+          <a:prstGeom prst="rect">
+            <a:avLst/>
+          </a:prstGeom>
+        </p:spPr>
+      </p:pic>
     </p:spTree>
     <p:extLst>
       <p:ext uri="{BB962C8B-B14F-4D97-AF65-F5344CB8AC3E}">
@@ -13905,13 +13930,13 @@
   <p:clrMapOvr>
     <a:masterClrMapping/>
   </p:clrMapOvr>
-  <mc:AlternateContent xmlns:mc="http://schemas.openxmlformats.org/markup-compatibility/2006">
-    <mc:Choice xmlns:p14="http://schemas.microsoft.com/office/powerpoint/2010/main" Requires="p14">
+  <mc:AlternateContent xmlns:mc="http://schemas.openxmlformats.org/markup-compatibility/2006" xmlns:p14="http://schemas.microsoft.com/office/powerpoint/2010/main">
+    <mc:Choice Requires="p14">
       <p:transition spd="slow" p14:dur="1600">
         <p:blinds dir="vert"/>
       </p:transition>
     </mc:Choice>
-    <mc:Fallback>
+    <mc:Fallback xmlns="">
       <p:transition spd="slow">
         <p:blinds dir="vert"/>
       </p:transition>
@@ -14015,172 +14040,6 @@
 </file>
 
 <file path=ppt/slides/slide6.xml><?xml version="1.0" encoding="utf-8"?>
-<p:sld xmlns:a="http://schemas.openxmlformats.org/drawingml/2006/main" xmlns:r="http://schemas.openxmlformats.org/officeDocument/2006/relationships" xmlns:p="http://schemas.openxmlformats.org/presentationml/2006/main" show="0">
-  <p:cSld>
-    <p:spTree>
-      <p:nvGrpSpPr>
-        <p:cNvPr id="1" name=""/>
-        <p:cNvGrpSpPr/>
-        <p:nvPr/>
-      </p:nvGrpSpPr>
-      <p:grpSpPr>
-        <a:xfrm>
-          <a:off x="0" y="0"/>
-          <a:ext cx="0" cy="0"/>
-          <a:chOff x="0" y="0"/>
-          <a:chExt cx="0" cy="0"/>
-        </a:xfrm>
-      </p:grpSpPr>
-      <p:sp>
-        <p:nvSpPr>
-          <p:cNvPr id="2" name="Titre 1"/>
-          <p:cNvSpPr>
-            <a:spLocks noGrp="1"/>
-          </p:cNvSpPr>
-          <p:nvPr>
-            <p:ph type="title"/>
-          </p:nvPr>
-        </p:nvSpPr>
-        <p:spPr/>
-        <p:txBody>
-          <a:bodyPr/>
-          <a:lstStyle/>
-          <a:p>
-            <a:r>
-              <a:rPr lang="fr-FR" dirty="0"/>
-              <a:t>Test du </a:t>
-            </a:r>
-            <a:r>
-              <a:rPr lang="fr-FR" dirty="0" err="1"/>
-              <a:t>backend</a:t>
-            </a:r>
-            <a:r>
-              <a:rPr lang="fr-FR" dirty="0"/>
-              <a:t> (</a:t>
-            </a:r>
-            <a:r>
-              <a:rPr lang="fr-FR" dirty="0"/>
-              <a:t>non demandé</a:t>
-            </a:r>
-            <a:r>
-              <a:rPr lang="fr-FR" dirty="0"/>
-              <a:t>)</a:t>
-            </a:r>
-          </a:p>
-        </p:txBody>
-      </p:sp>
-      <p:sp>
-        <p:nvSpPr>
-          <p:cNvPr id="3" name="Espace réservé du contenu 2"/>
-          <p:cNvSpPr>
-            <a:spLocks noGrp="1"/>
-          </p:cNvSpPr>
-          <p:nvPr>
-            <p:ph idx="1"/>
-          </p:nvPr>
-        </p:nvSpPr>
-        <p:spPr/>
-        <p:txBody>
-          <a:bodyPr/>
-          <a:lstStyle/>
-          <a:p>
-            <a:r>
-              <a:rPr lang="fr-FR" dirty="0"/>
-              <a:t>Serveur </a:t>
-            </a:r>
-            <a:r>
-              <a:rPr lang="fr-FR" dirty="0" err="1"/>
-              <a:t>php</a:t>
-            </a:r>
-            <a:r>
-              <a:rPr lang="fr-FR" dirty="0"/>
-              <a:t> mis en place avec W.A.M.P</a:t>
-            </a:r>
-          </a:p>
-          <a:p>
-            <a:r>
-              <a:rPr lang="fr-FR" dirty="0"/>
-              <a:t>Récupération des données de configuration par le traitement </a:t>
-            </a:r>
-            <a:r>
-              <a:rPr lang="fr-FR" dirty="0" err="1"/>
-              <a:t>php</a:t>
-            </a:r>
-            <a:endParaRPr lang="fr-FR" dirty="0"/>
-          </a:p>
-          <a:p>
-            <a:r>
-              <a:rPr lang="fr-FR" dirty="0"/>
-              <a:t>Création d’un XML de configuration</a:t>
-            </a:r>
-          </a:p>
-          <a:p>
-            <a:endParaRPr lang="fr-FR" dirty="0"/>
-          </a:p>
-        </p:txBody>
-      </p:sp>
-      <p:pic>
-        <p:nvPicPr>
-          <p:cNvPr id="4" name="Image 3"/>
-          <p:cNvPicPr>
-            <a:picLocks noChangeAspect="1"/>
-          </p:cNvPicPr>
-          <p:nvPr/>
-        </p:nvPicPr>
-        <p:blipFill>
-          <a:blip r:embed="rId2"/>
-          <a:stretch>
-            <a:fillRect/>
-          </a:stretch>
-        </p:blipFill>
-        <p:spPr>
-          <a:xfrm>
-            <a:off x="1331193" y="5943600"/>
-            <a:ext cx="2416208" cy="792000"/>
-          </a:xfrm>
-          <a:prstGeom prst="rect">
-            <a:avLst/>
-          </a:prstGeom>
-        </p:spPr>
-      </p:pic>
-      <p:pic>
-        <p:nvPicPr>
-          <p:cNvPr id="6" name="Image 5"/>
-          <p:cNvPicPr>
-            <a:picLocks noChangeAspect="1"/>
-          </p:cNvPicPr>
-          <p:nvPr/>
-        </p:nvPicPr>
-        <p:blipFill>
-          <a:blip r:embed="rId3"/>
-          <a:stretch>
-            <a:fillRect/>
-          </a:stretch>
-        </p:blipFill>
-        <p:spPr>
-          <a:xfrm>
-            <a:off x="10061408" y="48675"/>
-            <a:ext cx="1275521" cy="834887"/>
-          </a:xfrm>
-          <a:prstGeom prst="rect">
-            <a:avLst/>
-          </a:prstGeom>
-        </p:spPr>
-      </p:pic>
-    </p:spTree>
-    <p:extLst>
-      <p:ext uri="{BB962C8B-B14F-4D97-AF65-F5344CB8AC3E}">
-        <p14:creationId xmlns:p14="http://schemas.microsoft.com/office/powerpoint/2010/main" val="381127554"/>
-      </p:ext>
-    </p:extLst>
-  </p:cSld>
-  <p:clrMapOvr>
-    <a:masterClrMapping/>
-  </p:clrMapOvr>
-</p:sld>
-</file>
-
-<file path=ppt/slides/slide7.xml><?xml version="1.0" encoding="utf-8"?>
 <p:sld xmlns:a="http://schemas.openxmlformats.org/drawingml/2006/main" xmlns:r="http://schemas.openxmlformats.org/officeDocument/2006/relationships" xmlns:p="http://schemas.openxmlformats.org/presentationml/2006/main">
   <p:cSld>
     <p:spTree>
@@ -14349,13 +14208,13 @@
   <p:clrMapOvr>
     <a:masterClrMapping/>
   </p:clrMapOvr>
-  <mc:AlternateContent xmlns:mc="http://schemas.openxmlformats.org/markup-compatibility/2006">
-    <mc:Choice xmlns:p14="http://schemas.microsoft.com/office/powerpoint/2010/main" Requires="p14">
+  <mc:AlternateContent xmlns:mc="http://schemas.openxmlformats.org/markup-compatibility/2006" xmlns:p14="http://schemas.microsoft.com/office/powerpoint/2010/main">
+    <mc:Choice Requires="p14">
       <p:transition spd="slow" p14:dur="1600">
         <p:blinds dir="vert"/>
       </p:transition>
     </mc:Choice>
-    <mc:Fallback>
+    <mc:Fallback xmlns="">
       <p:transition spd="slow">
         <p:blinds dir="vert"/>
       </p:transition>
@@ -14793,7 +14652,7 @@
 </p:sld>
 </file>
 
-<file path=ppt/slides/slide8.xml><?xml version="1.0" encoding="utf-8"?>
+<file path=ppt/slides/slide7.xml><?xml version="1.0" encoding="utf-8"?>
 <p:sld xmlns:a="http://schemas.openxmlformats.org/drawingml/2006/main" xmlns:r="http://schemas.openxmlformats.org/officeDocument/2006/relationships" xmlns:p="http://schemas.openxmlformats.org/presentationml/2006/main">
   <p:cSld>
     <p:spTree>
@@ -14941,13 +14800,13 @@
   <p:clrMapOvr>
     <a:masterClrMapping/>
   </p:clrMapOvr>
-  <mc:AlternateContent xmlns:mc="http://schemas.openxmlformats.org/markup-compatibility/2006">
-    <mc:Choice xmlns:p14="http://schemas.microsoft.com/office/powerpoint/2010/main" Requires="p14">
+  <mc:AlternateContent xmlns:mc="http://schemas.openxmlformats.org/markup-compatibility/2006" xmlns:p14="http://schemas.microsoft.com/office/powerpoint/2010/main">
+    <mc:Choice Requires="p14">
       <p:transition spd="slow" p14:dur="2000">
         <p14:ferris dir="l"/>
       </p:transition>
     </mc:Choice>
-    <mc:Fallback>
+    <mc:Fallback xmlns="">
       <p:transition spd="slow">
         <p:fade/>
       </p:transition>
